--- a/1.pptx
+++ b/1.pptx
@@ -6,6 +6,9 @@
   </p:sldMasterIdLst>
   <p:sldIdLst>
     <p:sldId id="256" r:id="rId2"/>
+    <p:sldId id="257" r:id="rId3"/>
+    <p:sldId id="258" r:id="rId4"/>
+    <p:sldId id="259" r:id="rId5"/>
   </p:sldIdLst>
   <p:sldSz cx="12192000" cy="6858000"/>
   <p:notesSz cx="6858000" cy="9144000"/>
@@ -104,6 +107,11 @@
       </a:defRPr>
     </a:lvl9pPr>
   </p:defaultTextStyle>
+  <p:extLst>
+    <p:ext uri="{EFAFB233-063F-42B5-8137-9DF3F51BA10A}">
+      <p15:sldGuideLst xmlns:p15="http://schemas.microsoft.com/office/powerpoint/2012/main"/>
+    </p:ext>
+  </p:extLst>
 </p:presentation>
 </file>
 
@@ -3851,31 +3859,330 @@
             <p:ph type="ctrTitle"/>
           </p:nvPr>
         </p:nvSpPr>
-        <p:spPr/>
-        <p:txBody>
-          <a:bodyPr/>
+        <p:spPr>
+          <a:xfrm>
+            <a:off x="1651359" y="2170919"/>
+            <a:ext cx="8361229" cy="2098226"/>
+          </a:xfrm>
+        </p:spPr>
+        <p:txBody>
+          <a:bodyPr anchor="t"/>
           <a:lstStyle/>
           <a:p>
+            <a:r>
+              <a:rPr lang="ru-RU" sz="6600" dirty="0" smtClean="0"/>
+              <a:t>Онлайн </a:t>
+            </a:r>
+            <a:r>
+              <a:rPr lang="uk-UA" sz="6600" dirty="0" smtClean="0"/>
+              <a:t>кінотеатр</a:t>
+            </a:r>
+            <a:r>
+              <a:rPr lang="ru-RU" sz="6600" dirty="0" smtClean="0"/>
+              <a:t> </a:t>
+            </a:r>
+            <a:r>
+              <a:rPr lang="en-US" sz="6600" dirty="0" smtClean="0"/>
+              <a:t>“ICS”</a:t>
+            </a:r>
+            <a:endParaRPr lang="ru-RU" sz="6600" dirty="0"/>
+          </a:p>
+        </p:txBody>
+      </p:sp>
+      <p:sp>
+        <p:nvSpPr>
+          <p:cNvPr id="3" name="Подзаголовок 2"/>
+          <p:cNvSpPr>
+            <a:spLocks noGrp="1"/>
+          </p:cNvSpPr>
+          <p:nvPr>
+            <p:ph type="subTitle" idx="1"/>
+          </p:nvPr>
+        </p:nvSpPr>
+        <p:spPr>
+          <a:xfrm>
+            <a:off x="3919622" y="4360725"/>
+            <a:ext cx="6831673" cy="1086237"/>
+          </a:xfrm>
+        </p:spPr>
+        <p:txBody>
+          <a:bodyPr>
+            <a:normAutofit fontScale="70000" lnSpcReduction="20000"/>
+          </a:bodyPr>
+          <a:lstStyle/>
+          <a:p>
+            <a:pPr algn="r"/>
+            <a:r>
+              <a:rPr lang="uk-UA" dirty="0" smtClean="0"/>
+              <a:t>Виконали студенти:</a:t>
+            </a:r>
+          </a:p>
+          <a:p>
+            <a:pPr algn="r"/>
+            <a:r>
+              <a:rPr lang="uk-UA" dirty="0" err="1" smtClean="0"/>
+              <a:t>Додон</a:t>
+            </a:r>
+            <a:r>
+              <a:rPr lang="uk-UA" dirty="0" smtClean="0"/>
+              <a:t> Д. ЕАІ - 185</a:t>
+            </a:r>
+          </a:p>
+          <a:p>
+            <a:pPr algn="r"/>
+            <a:r>
+              <a:rPr lang="uk-UA" dirty="0" err="1" smtClean="0"/>
+              <a:t>Панібратцев</a:t>
+            </a:r>
+            <a:r>
+              <a:rPr lang="uk-UA" dirty="0" smtClean="0"/>
+              <a:t> О. ЕАІ - 185</a:t>
+            </a:r>
+          </a:p>
+          <a:p>
+            <a:pPr algn="r"/>
+            <a:r>
+              <a:rPr lang="uk-UA" dirty="0" err="1" smtClean="0"/>
+              <a:t>Вигнанюк</a:t>
+            </a:r>
+            <a:r>
+              <a:rPr lang="uk-UA" dirty="0" smtClean="0"/>
+              <a:t> С. ЛАІ - 185</a:t>
+            </a:r>
             <a:endParaRPr lang="ru-RU" dirty="0"/>
           </a:p>
         </p:txBody>
       </p:sp>
       <p:sp>
         <p:nvSpPr>
-          <p:cNvPr id="3" name="Подзаголовок 2"/>
-          <p:cNvSpPr>
-            <a:spLocks noGrp="1"/>
-          </p:cNvSpPr>
-          <p:nvPr>
-            <p:ph type="subTitle" idx="1"/>
-          </p:nvPr>
-        </p:nvSpPr>
-        <p:spPr/>
-        <p:txBody>
-          <a:bodyPr/>
-          <a:lstStyle/>
-          <a:p>
-            <a:endParaRPr lang="ru-RU"/>
+          <p:cNvPr id="4" name="Подзаголовок 2"/>
+          <p:cNvSpPr txBox="1">
+            <a:spLocks/>
+          </p:cNvSpPr>
+          <p:nvPr/>
+        </p:nvSpPr>
+        <p:spPr>
+          <a:xfrm>
+            <a:off x="1248509" y="805896"/>
+            <a:ext cx="8570649" cy="1086237"/>
+          </a:xfrm>
+          <a:prstGeom prst="rect">
+            <a:avLst/>
+          </a:prstGeom>
+        </p:spPr>
+        <p:txBody>
+          <a:bodyPr vert="horz" lIns="91440" tIns="45720" rIns="91440" bIns="45720" rtlCol="0">
+            <a:noAutofit/>
+          </a:bodyPr>
+          <a:lstStyle>
+            <a:lvl1pPr marL="0" indent="0" algn="ctr" defTabSz="914400" rtl="0" eaLnBrk="1" latinLnBrk="0" hangingPunct="1">
+              <a:lnSpc>
+                <a:spcPct val="112000"/>
+              </a:lnSpc>
+              <a:spcBef>
+                <a:spcPts val="0"/>
+              </a:spcBef>
+              <a:spcAft>
+                <a:spcPts val="0"/>
+              </a:spcAft>
+              <a:buFont typeface="Franklin Gothic Book" panose="020B0503020102020204" pitchFamily="34" charset="0"/>
+              <a:buNone/>
+              <a:defRPr sz="2300" kern="1200" baseline="0">
+                <a:solidFill>
+                  <a:schemeClr val="tx2"/>
+                </a:solidFill>
+                <a:latin typeface="+mn-lt"/>
+                <a:ea typeface="+mn-ea"/>
+                <a:cs typeface="+mn-cs"/>
+              </a:defRPr>
+            </a:lvl1pPr>
+            <a:lvl2pPr marL="457200" indent="0" algn="ctr" defTabSz="914400" rtl="0" eaLnBrk="1" latinLnBrk="0" hangingPunct="1">
+              <a:lnSpc>
+                <a:spcPct val="94000"/>
+              </a:lnSpc>
+              <a:spcBef>
+                <a:spcPts val="500"/>
+              </a:spcBef>
+              <a:spcAft>
+                <a:spcPts val="200"/>
+              </a:spcAft>
+              <a:buFont typeface="Franklin Gothic Book" panose="020B0503020102020204" pitchFamily="34" charset="0"/>
+              <a:buNone/>
+              <a:defRPr sz="2000" i="1" kern="1200" baseline="0">
+                <a:solidFill>
+                  <a:schemeClr val="tx2"/>
+                </a:solidFill>
+                <a:latin typeface="+mn-lt"/>
+                <a:ea typeface="+mn-ea"/>
+                <a:cs typeface="+mn-cs"/>
+              </a:defRPr>
+            </a:lvl2pPr>
+            <a:lvl3pPr marL="914400" indent="0" algn="ctr" defTabSz="914400" rtl="0" eaLnBrk="1" latinLnBrk="0" hangingPunct="1">
+              <a:lnSpc>
+                <a:spcPct val="94000"/>
+              </a:lnSpc>
+              <a:spcBef>
+                <a:spcPts val="500"/>
+              </a:spcBef>
+              <a:spcAft>
+                <a:spcPts val="200"/>
+              </a:spcAft>
+              <a:buFont typeface="Franklin Gothic Book" panose="020B0503020102020204" pitchFamily="34" charset="0"/>
+              <a:buNone/>
+              <a:defRPr sz="1800" kern="1200" baseline="0">
+                <a:solidFill>
+                  <a:schemeClr val="tx2"/>
+                </a:solidFill>
+                <a:latin typeface="+mn-lt"/>
+                <a:ea typeface="+mn-ea"/>
+                <a:cs typeface="+mn-cs"/>
+              </a:defRPr>
+            </a:lvl3pPr>
+            <a:lvl4pPr marL="1371600" indent="0" algn="ctr" defTabSz="914400" rtl="0" eaLnBrk="1" latinLnBrk="0" hangingPunct="1">
+              <a:lnSpc>
+                <a:spcPct val="94000"/>
+              </a:lnSpc>
+              <a:spcBef>
+                <a:spcPts val="500"/>
+              </a:spcBef>
+              <a:spcAft>
+                <a:spcPts val="200"/>
+              </a:spcAft>
+              <a:buFont typeface="Franklin Gothic Book" panose="020B0503020102020204" pitchFamily="34" charset="0"/>
+              <a:buNone/>
+              <a:defRPr sz="1600" i="1" kern="1200" baseline="0">
+                <a:solidFill>
+                  <a:schemeClr val="tx2"/>
+                </a:solidFill>
+                <a:latin typeface="+mn-lt"/>
+                <a:ea typeface="+mn-ea"/>
+                <a:cs typeface="+mn-cs"/>
+              </a:defRPr>
+            </a:lvl4pPr>
+            <a:lvl5pPr marL="1828800" indent="0" algn="ctr" defTabSz="914400" rtl="0" eaLnBrk="1" latinLnBrk="0" hangingPunct="1">
+              <a:lnSpc>
+                <a:spcPct val="94000"/>
+              </a:lnSpc>
+              <a:spcBef>
+                <a:spcPts val="500"/>
+              </a:spcBef>
+              <a:spcAft>
+                <a:spcPts val="200"/>
+              </a:spcAft>
+              <a:buFont typeface="Franklin Gothic Book" panose="020B0503020102020204" pitchFamily="34" charset="0"/>
+              <a:buNone/>
+              <a:defRPr sz="1600" kern="1200" baseline="0">
+                <a:solidFill>
+                  <a:schemeClr val="tx2"/>
+                </a:solidFill>
+                <a:latin typeface="+mn-lt"/>
+                <a:ea typeface="+mn-ea"/>
+                <a:cs typeface="+mn-cs"/>
+              </a:defRPr>
+            </a:lvl5pPr>
+            <a:lvl6pPr marL="2286000" indent="0" algn="ctr" defTabSz="914400" rtl="0" eaLnBrk="1" latinLnBrk="0" hangingPunct="1">
+              <a:lnSpc>
+                <a:spcPct val="94000"/>
+              </a:lnSpc>
+              <a:spcBef>
+                <a:spcPts val="500"/>
+              </a:spcBef>
+              <a:spcAft>
+                <a:spcPts val="200"/>
+              </a:spcAft>
+              <a:buFont typeface="Franklin Gothic Book" panose="020B0503020102020204" pitchFamily="34" charset="0"/>
+              <a:buNone/>
+              <a:defRPr sz="1600" i="1" kern="1200" baseline="0">
+                <a:solidFill>
+                  <a:schemeClr val="tx2"/>
+                </a:solidFill>
+                <a:latin typeface="+mn-lt"/>
+                <a:ea typeface="+mn-ea"/>
+                <a:cs typeface="+mn-cs"/>
+              </a:defRPr>
+            </a:lvl6pPr>
+            <a:lvl7pPr marL="2743200" indent="0" algn="ctr" defTabSz="914400" rtl="0" eaLnBrk="1" latinLnBrk="0" hangingPunct="1">
+              <a:lnSpc>
+                <a:spcPct val="94000"/>
+              </a:lnSpc>
+              <a:spcBef>
+                <a:spcPts val="500"/>
+              </a:spcBef>
+              <a:spcAft>
+                <a:spcPts val="200"/>
+              </a:spcAft>
+              <a:buFont typeface="Franklin Gothic Book" panose="020B0503020102020204" pitchFamily="34" charset="0"/>
+              <a:buNone/>
+              <a:defRPr sz="1600" kern="1200" baseline="0">
+                <a:solidFill>
+                  <a:schemeClr val="tx2"/>
+                </a:solidFill>
+                <a:latin typeface="+mn-lt"/>
+                <a:ea typeface="+mn-ea"/>
+                <a:cs typeface="+mn-cs"/>
+              </a:defRPr>
+            </a:lvl7pPr>
+            <a:lvl8pPr marL="3200400" indent="0" algn="ctr" defTabSz="914400" rtl="0" eaLnBrk="1" latinLnBrk="0" hangingPunct="1">
+              <a:lnSpc>
+                <a:spcPct val="94000"/>
+              </a:lnSpc>
+              <a:spcBef>
+                <a:spcPts val="500"/>
+              </a:spcBef>
+              <a:spcAft>
+                <a:spcPts val="200"/>
+              </a:spcAft>
+              <a:buFont typeface="Franklin Gothic Book" panose="020B0503020102020204" pitchFamily="34" charset="0"/>
+              <a:buNone/>
+              <a:defRPr sz="1600" i="1" kern="1200" baseline="0">
+                <a:solidFill>
+                  <a:schemeClr val="tx2"/>
+                </a:solidFill>
+                <a:latin typeface="+mn-lt"/>
+                <a:ea typeface="+mn-ea"/>
+                <a:cs typeface="+mn-cs"/>
+              </a:defRPr>
+            </a:lvl8pPr>
+            <a:lvl9pPr marL="3657600" indent="0" algn="ctr" defTabSz="914400" rtl="0" eaLnBrk="1" latinLnBrk="0" hangingPunct="1">
+              <a:lnSpc>
+                <a:spcPct val="94000"/>
+              </a:lnSpc>
+              <a:spcBef>
+                <a:spcPts val="500"/>
+              </a:spcBef>
+              <a:spcAft>
+                <a:spcPts val="200"/>
+              </a:spcAft>
+              <a:buFont typeface="Franklin Gothic Book" panose="020B0503020102020204" pitchFamily="34" charset="0"/>
+              <a:buNone/>
+              <a:defRPr sz="1600" kern="1200" baseline="0">
+                <a:solidFill>
+                  <a:schemeClr val="tx2"/>
+                </a:solidFill>
+                <a:latin typeface="+mn-lt"/>
+                <a:ea typeface="+mn-ea"/>
+                <a:cs typeface="+mn-cs"/>
+              </a:defRPr>
+            </a:lvl9pPr>
+          </a:lstStyle>
+          <a:p>
+            <a:pPr algn="r"/>
+            <a:r>
+              <a:rPr lang="uk-UA" sz="2400" dirty="0"/>
+              <a:t>Кафедра </a:t>
+            </a:r>
+            <a:r>
+              <a:rPr lang="uk-UA" sz="2400" dirty="0" smtClean="0"/>
+              <a:t>інформаційних систем</a:t>
+            </a:r>
+          </a:p>
+          <a:p>
+            <a:pPr algn="r"/>
+            <a:r>
+              <a:rPr lang="uk-UA" sz="2400" dirty="0" smtClean="0"/>
+              <a:t>Дисципліна: Технології створення Програмних продуктів </a:t>
+            </a:r>
+            <a:endParaRPr lang="ru-RU" sz="2400" dirty="0"/>
           </a:p>
         </p:txBody>
       </p:sp>
@@ -3883,6 +4190,271 @@
     <p:extLst>
       <p:ext uri="{BB962C8B-B14F-4D97-AF65-F5344CB8AC3E}">
         <p14:creationId xmlns:p14="http://schemas.microsoft.com/office/powerpoint/2010/main" val="1172390006"/>
+      </p:ext>
+    </p:extLst>
+  </p:cSld>
+  <p:clrMapOvr>
+    <a:masterClrMapping/>
+  </p:clrMapOvr>
+</p:sld>
+</file>
+
+<file path=ppt/slides/slide2.xml><?xml version="1.0" encoding="utf-8"?>
+<p:sld xmlns:a="http://schemas.openxmlformats.org/drawingml/2006/main" xmlns:r="http://schemas.openxmlformats.org/officeDocument/2006/relationships" xmlns:p="http://schemas.openxmlformats.org/presentationml/2006/main">
+  <p:cSld>
+    <p:spTree>
+      <p:nvGrpSpPr>
+        <p:cNvPr id="1" name=""/>
+        <p:cNvGrpSpPr/>
+        <p:nvPr/>
+      </p:nvGrpSpPr>
+      <p:grpSpPr>
+        <a:xfrm>
+          <a:off x="0" y="0"/>
+          <a:ext cx="0" cy="0"/>
+          <a:chOff x="0" y="0"/>
+          <a:chExt cx="0" cy="0"/>
+        </a:xfrm>
+      </p:grpSpPr>
+      <p:sp>
+        <p:nvSpPr>
+          <p:cNvPr id="2" name="Заголовок 1"/>
+          <p:cNvSpPr>
+            <a:spLocks noGrp="1"/>
+          </p:cNvSpPr>
+          <p:nvPr>
+            <p:ph type="title"/>
+          </p:nvPr>
+        </p:nvSpPr>
+        <p:spPr/>
+        <p:txBody>
+          <a:bodyPr/>
+          <a:lstStyle/>
+          <a:p>
+            <a:r>
+              <a:rPr lang="uk-UA" dirty="0" smtClean="0"/>
+              <a:t>Мета даної курсової роботи:</a:t>
+            </a:r>
+            <a:endParaRPr lang="ru-RU" dirty="0"/>
+          </a:p>
+        </p:txBody>
+      </p:sp>
+      <p:sp>
+        <p:nvSpPr>
+          <p:cNvPr id="3" name="Объект 2"/>
+          <p:cNvSpPr>
+            <a:spLocks noGrp="1"/>
+          </p:cNvSpPr>
+          <p:nvPr>
+            <p:ph idx="1"/>
+          </p:nvPr>
+        </p:nvSpPr>
+        <p:spPr/>
+        <p:txBody>
+          <a:bodyPr/>
+          <a:lstStyle/>
+          <a:p>
+            <a:r>
+              <a:rPr lang="uk-UA" dirty="0" smtClean="0"/>
+              <a:t>Буде розроблено сайт для перегляду онлайн фільмів/серіалів;</a:t>
+            </a:r>
+          </a:p>
+          <a:p>
+            <a:r>
+              <a:rPr lang="uk-UA" dirty="0" smtClean="0"/>
+              <a:t>Сайт задовольняє потреби людини, а саме:</a:t>
+            </a:r>
+          </a:p>
+          <a:p>
+            <a:pPr lvl="1"/>
+            <a:r>
+              <a:rPr lang="uk-UA" dirty="0" smtClean="0"/>
+              <a:t>Відпочинок;</a:t>
+            </a:r>
+          </a:p>
+          <a:p>
+            <a:pPr lvl="1"/>
+            <a:r>
+              <a:rPr lang="uk-UA" dirty="0" smtClean="0"/>
+              <a:t>Саморозвиток;</a:t>
+            </a:r>
+          </a:p>
+          <a:p>
+            <a:pPr lvl="1"/>
+            <a:r>
+              <a:rPr lang="uk-UA" dirty="0" smtClean="0"/>
+              <a:t>Інтерес;</a:t>
+            </a:r>
+          </a:p>
+          <a:p>
+            <a:pPr lvl="1"/>
+            <a:r>
+              <a:rPr lang="uk-UA" dirty="0" smtClean="0"/>
+              <a:t>Обговорення спільних уподобань;</a:t>
+            </a:r>
+          </a:p>
+        </p:txBody>
+      </p:sp>
+    </p:spTree>
+    <p:extLst>
+      <p:ext uri="{BB962C8B-B14F-4D97-AF65-F5344CB8AC3E}">
+        <p14:creationId xmlns:p14="http://schemas.microsoft.com/office/powerpoint/2010/main" val="2302122407"/>
+      </p:ext>
+    </p:extLst>
+  </p:cSld>
+  <p:clrMapOvr>
+    <a:masterClrMapping/>
+  </p:clrMapOvr>
+</p:sld>
+</file>
+
+<file path=ppt/slides/slide3.xml><?xml version="1.0" encoding="utf-8"?>
+<p:sld xmlns:a="http://schemas.openxmlformats.org/drawingml/2006/main" xmlns:r="http://schemas.openxmlformats.org/officeDocument/2006/relationships" xmlns:p="http://schemas.openxmlformats.org/presentationml/2006/main">
+  <p:cSld>
+    <p:spTree>
+      <p:nvGrpSpPr>
+        <p:cNvPr id="1" name=""/>
+        <p:cNvGrpSpPr/>
+        <p:nvPr/>
+      </p:nvGrpSpPr>
+      <p:grpSpPr>
+        <a:xfrm>
+          <a:off x="0" y="0"/>
+          <a:ext cx="0" cy="0"/>
+          <a:chOff x="0" y="0"/>
+          <a:chExt cx="0" cy="0"/>
+        </a:xfrm>
+      </p:grpSpPr>
+      <p:sp>
+        <p:nvSpPr>
+          <p:cNvPr id="2" name="Заголовок 1"/>
+          <p:cNvSpPr>
+            <a:spLocks noGrp="1"/>
+          </p:cNvSpPr>
+          <p:nvPr>
+            <p:ph type="title"/>
+          </p:nvPr>
+        </p:nvSpPr>
+        <p:spPr/>
+        <p:txBody>
+          <a:bodyPr/>
+          <a:lstStyle/>
+          <a:p>
+            <a:r>
+              <a:rPr lang="uk-UA" dirty="0" smtClean="0"/>
+              <a:t>Матеріальна потрібність: </a:t>
+            </a:r>
+            <a:endParaRPr lang="ru-RU" dirty="0"/>
+          </a:p>
+        </p:txBody>
+      </p:sp>
+      <p:sp>
+        <p:nvSpPr>
+          <p:cNvPr id="3" name="Объект 2"/>
+          <p:cNvSpPr>
+            <a:spLocks noGrp="1"/>
+          </p:cNvSpPr>
+          <p:nvPr>
+            <p:ph idx="1"/>
+          </p:nvPr>
+        </p:nvSpPr>
+        <p:spPr/>
+        <p:txBody>
+          <a:bodyPr/>
+          <a:lstStyle/>
+          <a:p>
+            <a:r>
+              <a:rPr lang="uk-UA" dirty="0" smtClean="0"/>
+              <a:t>У людей виникає потрібність в відпочинку, отож люди, які знайшли наш сайт, можуть дивитись фільми/серіали поки відображається реклама (наприклад).</a:t>
+            </a:r>
+          </a:p>
+          <a:p>
+            <a:r>
+              <a:rPr lang="uk-UA" dirty="0" smtClean="0"/>
+              <a:t>Потрібність людей у саморозвитку, також може задовольнити цей сайт у якому можна знайти фільми/серіали на різноманітні теми.</a:t>
+            </a:r>
+          </a:p>
+          <a:p>
+            <a:r>
+              <a:rPr lang="uk-UA" dirty="0" smtClean="0"/>
+              <a:t>Так як сайт безкоштовний, кожна людина може зайти на нього і без плати дивитись контент який вона хоче бачити.</a:t>
+            </a:r>
+            <a:endParaRPr lang="ru-RU" dirty="0"/>
+          </a:p>
+        </p:txBody>
+      </p:sp>
+    </p:spTree>
+    <p:extLst>
+      <p:ext uri="{BB962C8B-B14F-4D97-AF65-F5344CB8AC3E}">
+        <p14:creationId xmlns:p14="http://schemas.microsoft.com/office/powerpoint/2010/main" val="4177985282"/>
+      </p:ext>
+    </p:extLst>
+  </p:cSld>
+  <p:clrMapOvr>
+    <a:masterClrMapping/>
+  </p:clrMapOvr>
+</p:sld>
+</file>
+
+<file path=ppt/slides/slide4.xml><?xml version="1.0" encoding="utf-8"?>
+<p:sld xmlns:a="http://schemas.openxmlformats.org/drawingml/2006/main" xmlns:r="http://schemas.openxmlformats.org/officeDocument/2006/relationships" xmlns:p="http://schemas.openxmlformats.org/presentationml/2006/main">
+  <p:cSld>
+    <p:spTree>
+      <p:nvGrpSpPr>
+        <p:cNvPr id="1" name=""/>
+        <p:cNvGrpSpPr/>
+        <p:nvPr/>
+      </p:nvGrpSpPr>
+      <p:grpSpPr>
+        <a:xfrm>
+          <a:off x="0" y="0"/>
+          <a:ext cx="0" cy="0"/>
+          <a:chOff x="0" y="0"/>
+          <a:chExt cx="0" cy="0"/>
+        </a:xfrm>
+      </p:grpSpPr>
+      <p:sp>
+        <p:nvSpPr>
+          <p:cNvPr id="2" name="Заголовок 1"/>
+          <p:cNvSpPr>
+            <a:spLocks noGrp="1"/>
+          </p:cNvSpPr>
+          <p:nvPr>
+            <p:ph type="title"/>
+          </p:nvPr>
+        </p:nvSpPr>
+        <p:spPr/>
+        <p:txBody>
+          <a:bodyPr/>
+          <a:lstStyle/>
+          <a:p>
+            <a:endParaRPr lang="ru-RU"/>
+          </a:p>
+        </p:txBody>
+      </p:sp>
+      <p:sp>
+        <p:nvSpPr>
+          <p:cNvPr id="3" name="Объект 2"/>
+          <p:cNvSpPr>
+            <a:spLocks noGrp="1"/>
+          </p:cNvSpPr>
+          <p:nvPr>
+            <p:ph idx="1"/>
+          </p:nvPr>
+        </p:nvSpPr>
+        <p:spPr/>
+        <p:txBody>
+          <a:bodyPr/>
+          <a:lstStyle/>
+          <a:p>
+            <a:endParaRPr lang="ru-RU" dirty="0"/>
+          </a:p>
+        </p:txBody>
+      </p:sp>
+    </p:spTree>
+    <p:extLst>
+      <p:ext uri="{BB962C8B-B14F-4D97-AF65-F5344CB8AC3E}">
+        <p14:creationId xmlns:p14="http://schemas.microsoft.com/office/powerpoint/2010/main" val="1120314299"/>
       </p:ext>
     </p:extLst>
   </p:cSld>

--- a/1.pptx
+++ b/1.pptx
@@ -7,8 +7,11 @@
   <p:sldIdLst>
     <p:sldId id="256" r:id="rId2"/>
     <p:sldId id="257" r:id="rId3"/>
-    <p:sldId id="258" r:id="rId4"/>
-    <p:sldId id="259" r:id="rId5"/>
+    <p:sldId id="262" r:id="rId4"/>
+    <p:sldId id="258" r:id="rId5"/>
+    <p:sldId id="259" r:id="rId6"/>
+    <p:sldId id="260" r:id="rId7"/>
+    <p:sldId id="261" r:id="rId8"/>
   </p:sldIdLst>
   <p:sldSz cx="12192000" cy="6858000"/>
   <p:notesSz cx="6858000" cy="9144000"/>
@@ -4256,42 +4259,77 @@
           <a:p>
             <a:r>
               <a:rPr lang="uk-UA" dirty="0" smtClean="0"/>
-              <a:t>Буде розроблено сайт для перегляду онлайн фільмів/серіалів;</a:t>
-            </a:r>
-          </a:p>
-          <a:p>
+              <a:t>Р</a:t>
+            </a:r>
             <a:r>
               <a:rPr lang="uk-UA" dirty="0" smtClean="0"/>
-              <a:t>Сайт задовольняє потреби людини, а саме:</a:t>
-            </a:r>
-          </a:p>
-          <a:p>
-            <a:pPr lvl="1"/>
+              <a:t>озробка сайту </a:t>
+            </a:r>
             <a:r>
               <a:rPr lang="uk-UA" dirty="0" smtClean="0"/>
-              <a:t>Відпочинок;</a:t>
-            </a:r>
-          </a:p>
-          <a:p>
-            <a:pPr lvl="1"/>
+              <a:t>для перегляду онлайн фільмів/серіалів</a:t>
+            </a:r>
             <a:r>
               <a:rPr lang="uk-UA" dirty="0" smtClean="0"/>
-              <a:t>Саморозвиток;</a:t>
-            </a:r>
-          </a:p>
-          <a:p>
-            <a:pPr lvl="1"/>
+              <a:t>;</a:t>
+            </a:r>
+          </a:p>
+          <a:p>
             <a:r>
               <a:rPr lang="uk-UA" dirty="0" smtClean="0"/>
-              <a:t>Інтерес;</a:t>
-            </a:r>
-          </a:p>
-          <a:p>
-            <a:pPr lvl="1"/>
+              <a:t>Отримання досвіду;</a:t>
+            </a:r>
+            <a:endParaRPr lang="uk-UA" dirty="0" smtClean="0"/>
+          </a:p>
+          <a:p>
+            <a:r>
+              <a:rPr lang="uk-UA" dirty="0"/>
+              <a:t>М</a:t>
+            </a:r>
             <a:r>
               <a:rPr lang="uk-UA" dirty="0" smtClean="0"/>
-              <a:t>Обговорення спільних уподобань;</a:t>
-            </a:r>
+              <a:t>ожливість дивитися цікаві </a:t>
+            </a:r>
+            <a:r>
+              <a:rPr lang="ru-RU" dirty="0" smtClean="0"/>
+              <a:t>для </a:t>
+            </a:r>
+            <a:r>
+              <a:rPr lang="ru-RU" dirty="0"/>
+              <a:t>них </a:t>
+            </a:r>
+            <a:r>
+              <a:rPr lang="uk-UA" dirty="0" smtClean="0"/>
+              <a:t>фільми/серіали;</a:t>
+            </a:r>
+            <a:endParaRPr lang="ru-RU" dirty="0"/>
+          </a:p>
+          <a:p>
+            <a:r>
+              <a:rPr lang="uk-UA" dirty="0" smtClean="0"/>
+              <a:t>Можливість </a:t>
+            </a:r>
+            <a:r>
+              <a:rPr lang="uk-UA" dirty="0" smtClean="0"/>
+              <a:t>з</a:t>
+            </a:r>
+            <a:r>
+              <a:rPr lang="uk-UA" dirty="0" smtClean="0"/>
+              <a:t>алишати коментарі;</a:t>
+            </a:r>
+          </a:p>
+          <a:p>
+            <a:r>
+              <a:rPr lang="uk-UA" dirty="0" smtClean="0"/>
+              <a:t>Реєстрування нових користувачів;</a:t>
+            </a:r>
+          </a:p>
+          <a:p>
+            <a:r>
+              <a:rPr lang="uk-UA" dirty="0" smtClean="0"/>
+              <a:t>Реалізація адміністрування.</a:t>
+            </a:r>
+            <a:endParaRPr lang="uk-UA" dirty="0" smtClean="0"/>
           </a:p>
         </p:txBody>
       </p:sp>
@@ -4342,7 +4380,7 @@
           <a:p>
             <a:r>
               <a:rPr lang="uk-UA" dirty="0" smtClean="0"/>
-              <a:t>Матеріальна потрібність: </a:t>
+              <a:t>Потрібності реального світу:</a:t>
             </a:r>
             <a:endParaRPr lang="ru-RU" dirty="0"/>
           </a:p>
@@ -4365,19 +4403,7 @@
           <a:p>
             <a:r>
               <a:rPr lang="uk-UA" dirty="0" smtClean="0"/>
-              <a:t>У людей виникає потрібність в відпочинку, отож люди, які знайшли наш сайт, можуть дивитись фільми/серіали поки відображається реклама (наприклад).</a:t>
-            </a:r>
-          </a:p>
-          <a:p>
-            <a:r>
-              <a:rPr lang="uk-UA" dirty="0" smtClean="0"/>
-              <a:t>Потрібність людей у саморозвитку, також може задовольнити цей сайт у якому можна знайти фільми/серіали на різноманітні теми.</a:t>
-            </a:r>
-          </a:p>
-          <a:p>
-            <a:r>
-              <a:rPr lang="uk-UA" dirty="0" smtClean="0"/>
-              <a:t>Так як сайт безкоштовний, кожна людина може зайти на нього і без плати дивитись контент який вона хоче бачити.</a:t>
+              <a:t>Реальний світ потребує сайт який буде надавати можливість дивитися фільми/серіали безкоштовно, не заважаючи всесвіту вдома.</a:t>
             </a:r>
             <a:endParaRPr lang="ru-RU" dirty="0"/>
           </a:p>
@@ -4386,7 +4412,7 @@
     </p:spTree>
     <p:extLst>
       <p:ext uri="{BB962C8B-B14F-4D97-AF65-F5344CB8AC3E}">
-        <p14:creationId xmlns:p14="http://schemas.microsoft.com/office/powerpoint/2010/main" val="4177985282"/>
+        <p14:creationId xmlns:p14="http://schemas.microsoft.com/office/powerpoint/2010/main" val="906388946"/>
       </p:ext>
     </p:extLst>
   </p:cSld>
@@ -4428,7 +4454,11 @@
           <a:bodyPr/>
           <a:lstStyle/>
           <a:p>
-            <a:endParaRPr lang="ru-RU"/>
+            <a:r>
+              <a:rPr lang="uk-UA" dirty="0" smtClean="0"/>
+              <a:t>Матеріальна потрібність: </a:t>
+            </a:r>
+            <a:endParaRPr lang="ru-RU" dirty="0"/>
           </a:p>
         </p:txBody>
       </p:sp>
@@ -4447,6 +4477,149 @@
           <a:bodyPr/>
           <a:lstStyle/>
           <a:p>
+            <a:r>
+              <a:rPr lang="ru-RU" dirty="0" smtClean="0"/>
+              <a:t>Л</a:t>
+            </a:r>
+            <a:r>
+              <a:rPr lang="uk-UA" dirty="0" smtClean="0"/>
+              <a:t>юди</a:t>
+            </a:r>
+            <a:r>
+              <a:rPr lang="uk-UA" dirty="0" smtClean="0"/>
+              <a:t>, які знайшли наш сайт, можуть дивитись фільми/серіали поки відображається </a:t>
+            </a:r>
+            <a:r>
+              <a:rPr lang="uk-UA" dirty="0" smtClean="0"/>
+              <a:t>реклама;</a:t>
+            </a:r>
+            <a:endParaRPr lang="uk-UA" dirty="0" smtClean="0"/>
+          </a:p>
+          <a:p>
+            <a:r>
+              <a:rPr lang="uk-UA" dirty="0" smtClean="0"/>
+              <a:t>Може бути поширений контент якого немає у інших сайтів;</a:t>
+            </a:r>
+            <a:endParaRPr lang="uk-UA" dirty="0" smtClean="0"/>
+          </a:p>
+          <a:p>
+            <a:r>
+              <a:rPr lang="uk-UA" dirty="0" smtClean="0"/>
+              <a:t>Так як сайт безкоштовний, кожна людина може зайти на нього і без плати дивитись контент який вона хоче </a:t>
+            </a:r>
+            <a:r>
+              <a:rPr lang="uk-UA" dirty="0" smtClean="0"/>
+              <a:t>бачити, але, якщо вона хоче переглядати фільми без реклами – можна заплатити сайту і реклами не буде.</a:t>
+            </a:r>
+            <a:endParaRPr lang="ru-RU" dirty="0"/>
+          </a:p>
+        </p:txBody>
+      </p:sp>
+    </p:spTree>
+    <p:extLst>
+      <p:ext uri="{BB962C8B-B14F-4D97-AF65-F5344CB8AC3E}">
+        <p14:creationId xmlns:p14="http://schemas.microsoft.com/office/powerpoint/2010/main" val="4177985282"/>
+      </p:ext>
+    </p:extLst>
+  </p:cSld>
+  <p:clrMapOvr>
+    <a:masterClrMapping/>
+  </p:clrMapOvr>
+</p:sld>
+</file>
+
+<file path=ppt/slides/slide5.xml><?xml version="1.0" encoding="utf-8"?>
+<p:sld xmlns:a="http://schemas.openxmlformats.org/drawingml/2006/main" xmlns:r="http://schemas.openxmlformats.org/officeDocument/2006/relationships" xmlns:p="http://schemas.openxmlformats.org/presentationml/2006/main">
+  <p:cSld>
+    <p:spTree>
+      <p:nvGrpSpPr>
+        <p:cNvPr id="1" name=""/>
+        <p:cNvGrpSpPr/>
+        <p:nvPr/>
+      </p:nvGrpSpPr>
+      <p:grpSpPr>
+        <a:xfrm>
+          <a:off x="0" y="0"/>
+          <a:ext cx="0" cy="0"/>
+          <a:chOff x="0" y="0"/>
+          <a:chExt cx="0" cy="0"/>
+        </a:xfrm>
+      </p:grpSpPr>
+      <p:sp>
+        <p:nvSpPr>
+          <p:cNvPr id="2" name="Заголовок 1"/>
+          <p:cNvSpPr>
+            <a:spLocks noGrp="1"/>
+          </p:cNvSpPr>
+          <p:nvPr>
+            <p:ph type="title"/>
+          </p:nvPr>
+        </p:nvSpPr>
+        <p:spPr/>
+        <p:txBody>
+          <a:bodyPr/>
+          <a:lstStyle/>
+          <a:p>
+            <a:r>
+              <a:rPr lang="uk-UA" dirty="0" smtClean="0"/>
+              <a:t>Потрібність споживача:</a:t>
+            </a:r>
+            <a:endParaRPr lang="ru-RU" dirty="0"/>
+          </a:p>
+        </p:txBody>
+      </p:sp>
+      <p:sp>
+        <p:nvSpPr>
+          <p:cNvPr id="3" name="Объект 2"/>
+          <p:cNvSpPr>
+            <a:spLocks noGrp="1"/>
+          </p:cNvSpPr>
+          <p:nvPr>
+            <p:ph idx="1"/>
+          </p:nvPr>
+        </p:nvSpPr>
+        <p:spPr/>
+        <p:txBody>
+          <a:bodyPr/>
+          <a:lstStyle/>
+          <a:p>
+            <a:r>
+              <a:rPr lang="uk-UA" dirty="0"/>
+              <a:t>Сайт задовольняє потреби людини, а саме:</a:t>
+            </a:r>
+          </a:p>
+          <a:p>
+            <a:pPr lvl="1"/>
+            <a:r>
+              <a:rPr lang="uk-UA" dirty="0"/>
+              <a:t>Відпочинок;</a:t>
+            </a:r>
+          </a:p>
+          <a:p>
+            <a:pPr lvl="1"/>
+            <a:r>
+              <a:rPr lang="uk-UA" dirty="0"/>
+              <a:t>Саморозвиток;</a:t>
+            </a:r>
+          </a:p>
+          <a:p>
+            <a:pPr lvl="1"/>
+            <a:r>
+              <a:rPr lang="uk-UA" dirty="0"/>
+              <a:t>Інтерес;</a:t>
+            </a:r>
+          </a:p>
+          <a:p>
+            <a:pPr lvl="1"/>
+            <a:r>
+              <a:rPr lang="uk-UA" dirty="0"/>
+              <a:t>Обговорення спільних уподобань;</a:t>
+            </a:r>
+          </a:p>
+          <a:p>
+            <a:pPr marL="0" indent="0">
+              <a:buNone/>
+            </a:pPr>
             <a:endParaRPr lang="ru-RU" dirty="0"/>
           </a:p>
         </p:txBody>
@@ -4455,6 +4628,192 @@
     <p:extLst>
       <p:ext uri="{BB962C8B-B14F-4D97-AF65-F5344CB8AC3E}">
         <p14:creationId xmlns:p14="http://schemas.microsoft.com/office/powerpoint/2010/main" val="1120314299"/>
+      </p:ext>
+    </p:extLst>
+  </p:cSld>
+  <p:clrMapOvr>
+    <a:masterClrMapping/>
+  </p:clrMapOvr>
+</p:sld>
+</file>
+
+<file path=ppt/slides/slide6.xml><?xml version="1.0" encoding="utf-8"?>
+<p:sld xmlns:a="http://schemas.openxmlformats.org/drawingml/2006/main" xmlns:r="http://schemas.openxmlformats.org/officeDocument/2006/relationships" xmlns:p="http://schemas.openxmlformats.org/presentationml/2006/main">
+  <p:cSld>
+    <p:spTree>
+      <p:nvGrpSpPr>
+        <p:cNvPr id="1" name=""/>
+        <p:cNvGrpSpPr/>
+        <p:nvPr/>
+      </p:nvGrpSpPr>
+      <p:grpSpPr>
+        <a:xfrm>
+          <a:off x="0" y="0"/>
+          <a:ext cx="0" cy="0"/>
+          <a:chOff x="0" y="0"/>
+          <a:chExt cx="0" cy="0"/>
+        </a:xfrm>
+      </p:grpSpPr>
+      <p:sp>
+        <p:nvSpPr>
+          <p:cNvPr id="2" name="Заголовок 1"/>
+          <p:cNvSpPr>
+            <a:spLocks noGrp="1"/>
+          </p:cNvSpPr>
+          <p:nvPr>
+            <p:ph type="title"/>
+          </p:nvPr>
+        </p:nvSpPr>
+        <p:spPr/>
+        <p:txBody>
+          <a:bodyPr/>
+          <a:lstStyle/>
+          <a:p>
+            <a:r>
+              <a:rPr lang="uk-UA" dirty="0" smtClean="0"/>
+              <a:t>Проблемний аналіз:</a:t>
+            </a:r>
+            <a:endParaRPr lang="ru-RU" dirty="0"/>
+          </a:p>
+        </p:txBody>
+      </p:sp>
+      <p:sp>
+        <p:nvSpPr>
+          <p:cNvPr id="3" name="Объект 2"/>
+          <p:cNvSpPr>
+            <a:spLocks noGrp="1"/>
+          </p:cNvSpPr>
+          <p:nvPr>
+            <p:ph idx="1"/>
+          </p:nvPr>
+        </p:nvSpPr>
+        <p:spPr/>
+        <p:txBody>
+          <a:bodyPr/>
+          <a:lstStyle/>
+          <a:p>
+            <a:r>
+              <a:rPr lang="ru-RU" dirty="0" smtClean="0"/>
+              <a:t>Наш сайт</a:t>
+            </a:r>
+            <a:r>
+              <a:rPr lang="uk-UA" dirty="0" smtClean="0"/>
+              <a:t> надає можливість купити преміум аккаунт на все життя з яким вимикається рекламу;</a:t>
+            </a:r>
+          </a:p>
+          <a:p>
+            <a:r>
+              <a:rPr lang="uk-UA" dirty="0" smtClean="0"/>
+              <a:t>Наш сайт не має обмежень для розповсюдження фільмів;</a:t>
+            </a:r>
+          </a:p>
+          <a:p>
+            <a:r>
+              <a:rPr lang="uk-UA" dirty="0" smtClean="0"/>
+              <a:t>Можна загрузити контент собі на пристрій;</a:t>
+            </a:r>
+          </a:p>
+          <a:p>
+            <a:r>
+              <a:rPr lang="uk-UA" dirty="0" smtClean="0"/>
+              <a:t>Наш сайт не буде видаляти ніяких фільмів/серіалів;</a:t>
+            </a:r>
+          </a:p>
+          <a:p>
+            <a:r>
+              <a:rPr lang="uk-UA" dirty="0" smtClean="0"/>
+              <a:t>Не має правовласників.</a:t>
+            </a:r>
+          </a:p>
+        </p:txBody>
+      </p:sp>
+    </p:spTree>
+    <p:extLst>
+      <p:ext uri="{BB962C8B-B14F-4D97-AF65-F5344CB8AC3E}">
+        <p14:creationId xmlns:p14="http://schemas.microsoft.com/office/powerpoint/2010/main" val="4156879130"/>
+      </p:ext>
+    </p:extLst>
+  </p:cSld>
+  <p:clrMapOvr>
+    <a:masterClrMapping/>
+  </p:clrMapOvr>
+</p:sld>
+</file>
+
+<file path=ppt/slides/slide7.xml><?xml version="1.0" encoding="utf-8"?>
+<p:sld xmlns:a="http://schemas.openxmlformats.org/drawingml/2006/main" xmlns:r="http://schemas.openxmlformats.org/officeDocument/2006/relationships" xmlns:p="http://schemas.openxmlformats.org/presentationml/2006/main">
+  <p:cSld>
+    <p:spTree>
+      <p:nvGrpSpPr>
+        <p:cNvPr id="1" name=""/>
+        <p:cNvGrpSpPr/>
+        <p:nvPr/>
+      </p:nvGrpSpPr>
+      <p:grpSpPr>
+        <a:xfrm>
+          <a:off x="0" y="0"/>
+          <a:ext cx="0" cy="0"/>
+          <a:chOff x="0" y="0"/>
+          <a:chExt cx="0" cy="0"/>
+        </a:xfrm>
+      </p:grpSpPr>
+      <p:sp>
+        <p:nvSpPr>
+          <p:cNvPr id="2" name="Заголовок 1"/>
+          <p:cNvSpPr>
+            <a:spLocks noGrp="1"/>
+          </p:cNvSpPr>
+          <p:nvPr>
+            <p:ph type="title"/>
+          </p:nvPr>
+        </p:nvSpPr>
+        <p:spPr/>
+        <p:txBody>
+          <a:bodyPr/>
+          <a:lstStyle/>
+          <a:p>
+            <a:pPr algn="ctr"/>
+            <a:r>
+              <a:rPr lang="uk-UA" dirty="0" smtClean="0"/>
+              <a:t>Логотип сайту:</a:t>
+            </a:r>
+            <a:endParaRPr lang="ru-RU" dirty="0"/>
+          </a:p>
+        </p:txBody>
+      </p:sp>
+      <p:pic>
+        <p:nvPicPr>
+          <p:cNvPr id="8" name="Объект 7"/>
+          <p:cNvPicPr>
+            <a:picLocks noGrp="1" noChangeAspect="1"/>
+          </p:cNvPicPr>
+          <p:nvPr>
+            <p:ph idx="1"/>
+          </p:nvPr>
+        </p:nvPicPr>
+        <p:blipFill>
+          <a:blip r:embed="rId2">
+            <a:extLst>
+              <a:ext uri="{28A0092B-C50C-407E-A947-70E740481C1C}">
+                <a14:useLocalDpi xmlns:a14="http://schemas.microsoft.com/office/drawing/2010/main" val="0"/>
+              </a:ext>
+            </a:extLst>
+          </a:blip>
+          <a:stretch>
+            <a:fillRect/>
+          </a:stretch>
+        </p:blipFill>
+        <p:spPr>
+          <a:xfrm>
+            <a:off x="4381500" y="2286000"/>
+            <a:ext cx="3581400" cy="3581400"/>
+          </a:xfrm>
+        </p:spPr>
+      </p:pic>
+    </p:spTree>
+    <p:extLst>
+      <p:ext uri="{BB962C8B-B14F-4D97-AF65-F5344CB8AC3E}">
+        <p14:creationId xmlns:p14="http://schemas.microsoft.com/office/powerpoint/2010/main" val="265651681"/>
       </p:ext>
     </p:extLst>
   </p:cSld>

--- a/1.pptx
+++ b/1.pptx
@@ -4259,19 +4259,7 @@
           <a:p>
             <a:r>
               <a:rPr lang="uk-UA" dirty="0" smtClean="0"/>
-              <a:t>Р</a:t>
-            </a:r>
-            <a:r>
-              <a:rPr lang="uk-UA" dirty="0" smtClean="0"/>
-              <a:t>озробка сайту </a:t>
-            </a:r>
-            <a:r>
-              <a:rPr lang="uk-UA" dirty="0" smtClean="0"/>
-              <a:t>для перегляду онлайн фільмів/серіалів</a:t>
-            </a:r>
-            <a:r>
-              <a:rPr lang="uk-UA" dirty="0" smtClean="0"/>
-              <a:t>;</a:t>
+              <a:t>Розробка сайту для перегляду онлайн фільмів/серіалів;</a:t>
             </a:r>
           </a:p>
           <a:p>
@@ -4279,7 +4267,6 @@
               <a:rPr lang="uk-UA" dirty="0" smtClean="0"/>
               <a:t>Отримання досвіду;</a:t>
             </a:r>
-            <a:endParaRPr lang="uk-UA" dirty="0" smtClean="0"/>
           </a:p>
           <a:p>
             <a:r>
@@ -4307,15 +4294,7 @@
           <a:p>
             <a:r>
               <a:rPr lang="uk-UA" dirty="0" smtClean="0"/>
-              <a:t>Можливість </a:t>
-            </a:r>
-            <a:r>
-              <a:rPr lang="uk-UA" dirty="0" smtClean="0"/>
-              <a:t>з</a:t>
-            </a:r>
-            <a:r>
-              <a:rPr lang="uk-UA" dirty="0" smtClean="0"/>
-              <a:t>алишати коментарі;</a:t>
+              <a:t>Можливість залишати коментарі;</a:t>
             </a:r>
           </a:p>
           <a:p>
@@ -4329,7 +4308,6 @@
               <a:rPr lang="uk-UA" dirty="0" smtClean="0"/>
               <a:t>Реалізація адміністрування.</a:t>
             </a:r>
-            <a:endParaRPr lang="uk-UA" dirty="0" smtClean="0"/>
           </a:p>
         </p:txBody>
       </p:sp>
@@ -4483,33 +4461,19 @@
             </a:r>
             <a:r>
               <a:rPr lang="uk-UA" dirty="0" smtClean="0"/>
-              <a:t>юди</a:t>
-            </a:r>
-            <a:r>
-              <a:rPr lang="uk-UA" dirty="0" smtClean="0"/>
-              <a:t>, які знайшли наш сайт, можуть дивитись фільми/серіали поки відображається </a:t>
-            </a:r>
-            <a:r>
-              <a:rPr lang="uk-UA" dirty="0" smtClean="0"/>
-              <a:t>реклама;</a:t>
-            </a:r>
-            <a:endParaRPr lang="uk-UA" dirty="0" smtClean="0"/>
+              <a:t>юди, які знайшли наш сайт, можуть дивитись фільми/серіали поки відображається реклама;</a:t>
+            </a:r>
           </a:p>
           <a:p>
             <a:r>
               <a:rPr lang="uk-UA" dirty="0" smtClean="0"/>
               <a:t>Може бути поширений контент якого немає у інших сайтів;</a:t>
             </a:r>
-            <a:endParaRPr lang="uk-UA" dirty="0" smtClean="0"/>
           </a:p>
           <a:p>
             <a:r>
               <a:rPr lang="uk-UA" dirty="0" smtClean="0"/>
-              <a:t>Так як сайт безкоштовний, кожна людина може зайти на нього і без плати дивитись контент який вона хоче </a:t>
-            </a:r>
-            <a:r>
-              <a:rPr lang="uk-UA" dirty="0" smtClean="0"/>
-              <a:t>бачити, але, якщо вона хоче переглядати фільми без реклами – можна заплатити сайту і реклами не буде.</a:t>
+              <a:t>Так як сайт безкоштовний, кожна людина може зайти на нього і без плати дивитись контент який вона хоче бачити, але, якщо вона хоче переглядати фільми без реклами – можна заплатити сайту і реклами не буде.</a:t>
             </a:r>
             <a:endParaRPr lang="ru-RU" dirty="0"/>
           </a:p>
@@ -4783,7 +4747,7 @@
       </p:sp>
       <p:pic>
         <p:nvPicPr>
-          <p:cNvPr id="8" name="Объект 7"/>
+          <p:cNvPr id="4" name="Объект 3"/>
           <p:cNvPicPr>
             <a:picLocks noGrp="1" noChangeAspect="1"/>
           </p:cNvPicPr>
@@ -4791,7 +4755,7 @@
             <p:ph idx="1"/>
           </p:nvPr>
         </p:nvPicPr>
-        <p:blipFill>
+        <p:blipFill rotWithShape="1">
           <a:blip r:embed="rId2">
             <a:extLst>
               <a:ext uri="{28A0092B-C50C-407E-A947-70E740481C1C}">
@@ -4799,14 +4763,13 @@
               </a:ext>
             </a:extLst>
           </a:blip>
-          <a:stretch>
-            <a:fillRect/>
-          </a:stretch>
+          <a:srcRect t="8117"/>
+          <a:stretch/>
         </p:blipFill>
         <p:spPr>
           <a:xfrm>
-            <a:off x="4381500" y="2286000"/>
-            <a:ext cx="3581400" cy="3581400"/>
+            <a:off x="3707822" y="1828800"/>
+            <a:ext cx="4928755" cy="4528705"/>
           </a:xfrm>
         </p:spPr>
       </p:pic>
